--- a/PowerPoint/07 - Error Handling.pptx
+++ b/PowerPoint/07 - Error Handling.pptx
@@ -5985,7 +5985,7 @@
               <a:rPr lang="en-US" sz="1800" dirty="0" err="1">
                 <a:latin typeface="Consolas" pitchFamily="49" charset="0"/>
               </a:rPr>
-              <a:t>ErrorHandler.reportError</a:t>
+              <a:t>errorHandler.reportError</a:t>
             </a:r>
             <a:r>
               <a:rPr lang="en-US" sz="1800" dirty="0">
@@ -6794,13 +6794,13 @@
               <a:rPr lang="en-US" sz="1800" dirty="0">
                 <a:latin typeface="Consolas" pitchFamily="49" charset="0"/>
               </a:rPr>
-              <a:t>        ErrorHandler. </a:t>
+              <a:t>        </a:t>
             </a:r>
             <a:r>
               <a:rPr lang="en-US" sz="1800" dirty="0" err="1">
                 <a:latin typeface="Consolas" pitchFamily="49" charset="0"/>
               </a:rPr>
-              <a:t>reportError</a:t>
+              <a:t>errorHandler.reportError</a:t>
             </a:r>
             <a:r>
               <a:rPr lang="en-US" sz="1800" dirty="0">
@@ -7637,7 +7637,7 @@
               <a:rPr lang="en-US" sz="1800" dirty="0" err="1">
                 <a:latin typeface="Consolas" panose="020B0609020204030204" pitchFamily="49" charset="0"/>
               </a:rPr>
-              <a:t>ErrorHandler.reportError</a:t>
+              <a:t>errorHandler.reportError</a:t>
             </a:r>
             <a:r>
               <a:rPr lang="en-US" sz="1800" dirty="0">
@@ -9201,7 +9201,7 @@
                 <a:latin typeface="Consolas" pitchFamily="49" charset="0"/>
                 <a:cs typeface="Consolas" pitchFamily="49" charset="0"/>
               </a:rPr>
-              <a:t>ErrorHandler.reportError</a:t>
+              <a:t>errorHandler.reportError</a:t>
             </a:r>
             <a:r>
               <a:rPr lang="en-US" sz="1750" dirty="0">
@@ -11382,7 +11382,7 @@
           <a:p>
             <a:r>
               <a:rPr lang="en-US" dirty="0"/>
-              <a:t>Object </a:t>
+              <a:t>Class </a:t>
             </a:r>
             <a:r>
               <a:rPr lang="en-US" dirty="0">
@@ -11410,12 +11410,6 @@
           <a:p>
             <a:r>
               <a:rPr lang="en-US" dirty="0"/>
-              <a:t>Kotlin object (not a class).</a:t>
-            </a:r>
-          </a:p>
-          <a:p>
-            <a:r>
-              <a:rPr lang="en-US" dirty="0"/>
               <a:t>Handles the reporting of errors</a:t>
             </a:r>
           </a:p>
@@ -11426,20 +11420,7 @@
             </a:r>
           </a:p>
           <a:p>
-            <a:r>
-              <a:rPr lang="en-US" dirty="0"/>
-              <a:t>Implements the singleton pattern; i.e., there is only one instance of </a:t>
-            </a:r>
-            <a:r>
-              <a:rPr lang="en-US" dirty="0">
-                <a:latin typeface="Consolas" pitchFamily="49" charset="0"/>
-              </a:rPr>
-              <a:t>ErrorHandler</a:t>
-            </a:r>
-            <a:r>
-              <a:rPr lang="en-US" dirty="0"/>
-              <a:t>.</a:t>
-            </a:r>
+            <a:endParaRPr lang="en-US" dirty="0"/>
           </a:p>
         </p:txBody>
       </p:sp>
@@ -11539,7 +11520,7 @@
           <a:p>
             <a:r>
               <a:rPr lang="en-US" dirty="0"/>
-              <a:t>Two Key Methods in Object </a:t>
+              <a:t>Two Key Methods in Class </a:t>
             </a:r>
             <a:r>
               <a:rPr lang="en-US" dirty="0">
